--- a/Horse colic dataset.pptx
+++ b/Horse colic dataset.pptx
@@ -12,12 +12,13 @@
     <p:sldId id="262" r:id="rId6"/>
     <p:sldId id="269" r:id="rId7"/>
     <p:sldId id="261" r:id="rId8"/>
-    <p:sldId id="266" r:id="rId9"/>
-    <p:sldId id="267" r:id="rId10"/>
-    <p:sldId id="260" r:id="rId11"/>
-    <p:sldId id="264" r:id="rId12"/>
-    <p:sldId id="265" r:id="rId13"/>
-    <p:sldId id="270" r:id="rId14"/>
+    <p:sldId id="271" r:id="rId9"/>
+    <p:sldId id="266" r:id="rId10"/>
+    <p:sldId id="267" r:id="rId11"/>
+    <p:sldId id="260" r:id="rId12"/>
+    <p:sldId id="264" r:id="rId13"/>
+    <p:sldId id="265" r:id="rId14"/>
+    <p:sldId id="270" r:id="rId15"/>
   </p:sldIdLst>
   <p:sldSz cx="12192000" cy="6858000"/>
   <p:notesSz cx="6858000" cy="9144000"/>
@@ -116,6 +117,11 @@
       </a:defRPr>
     </a:lvl9pPr>
   </p:defaultTextStyle>
+  <p:extLst>
+    <p:ext uri="{EFAFB233-063F-42B5-8137-9DF3F51BA10A}">
+      <p15:sldGuideLst xmlns:p15="http://schemas.microsoft.com/office/powerpoint/2012/main"/>
+    </p:ext>
+  </p:extLst>
 </p:presentation>
 </file>
 
@@ -3475,6 +3481,99 @@
           <p:cNvPr id="2" name="Title 1">
             <a:extLst>
               <a:ext uri="{FF2B5EF4-FFF2-40B4-BE49-F238E27FC236}">
+                <a16:creationId xmlns:a16="http://schemas.microsoft.com/office/drawing/2014/main" id="{8C4B779B-7B62-48B1-91AE-CDF4FD269D4B}"/>
+              </a:ext>
+            </a:extLst>
+          </p:cNvPr>
+          <p:cNvSpPr>
+            <a:spLocks noGrp="1"/>
+          </p:cNvSpPr>
+          <p:nvPr>
+            <p:ph type="title"/>
+          </p:nvPr>
+        </p:nvSpPr>
+        <p:spPr>
+          <a:xfrm>
+            <a:off x="132849" y="0"/>
+            <a:ext cx="10515600" cy="1325563"/>
+          </a:xfrm>
+        </p:spPr>
+        <p:txBody>
+          <a:bodyPr/>
+          <a:lstStyle/>
+          <a:p>
+            <a:r>
+              <a:rPr lang="is-IS" dirty="0"/>
+              <a:t>Attributes – blue = dead horse</a:t>
+            </a:r>
+          </a:p>
+        </p:txBody>
+      </p:sp>
+      <p:pic>
+        <p:nvPicPr>
+          <p:cNvPr id="4" name="Picture 3">
+            <a:extLst>
+              <a:ext uri="{FF2B5EF4-FFF2-40B4-BE49-F238E27FC236}">
+                <a16:creationId xmlns:a16="http://schemas.microsoft.com/office/drawing/2014/main" id="{86D9548C-9C92-4C5E-9F70-FCAEFBC2A427}"/>
+              </a:ext>
+            </a:extLst>
+          </p:cNvPr>
+          <p:cNvPicPr>
+            <a:picLocks noChangeAspect="1"/>
+          </p:cNvPicPr>
+          <p:nvPr/>
+        </p:nvPicPr>
+        <p:blipFill>
+          <a:blip r:embed="rId2"/>
+          <a:stretch>
+            <a:fillRect/>
+          </a:stretch>
+        </p:blipFill>
+        <p:spPr>
+          <a:xfrm>
+            <a:off x="2667501" y="1238250"/>
+            <a:ext cx="9391650" cy="5619750"/>
+          </a:xfrm>
+          <a:prstGeom prst="rect">
+            <a:avLst/>
+          </a:prstGeom>
+        </p:spPr>
+      </p:pic>
+    </p:spTree>
+    <p:extLst>
+      <p:ext uri="{BB962C8B-B14F-4D97-AF65-F5344CB8AC3E}">
+        <p14:creationId xmlns:p14="http://schemas.microsoft.com/office/powerpoint/2010/main" val="905302261"/>
+      </p:ext>
+    </p:extLst>
+  </p:cSld>
+  <p:clrMapOvr>
+    <a:masterClrMapping/>
+  </p:clrMapOvr>
+</p:sld>
+</file>
+
+<file path=ppt/slides/slide11.xml><?xml version="1.0" encoding="utf-8"?>
+<p:sld xmlns:a="http://schemas.openxmlformats.org/drawingml/2006/main" xmlns:r="http://schemas.openxmlformats.org/officeDocument/2006/relationships" xmlns:p="http://schemas.openxmlformats.org/presentationml/2006/main">
+  <p:cSld>
+    <p:spTree>
+      <p:nvGrpSpPr>
+        <p:cNvPr id="1" name=""/>
+        <p:cNvGrpSpPr/>
+        <p:nvPr/>
+      </p:nvGrpSpPr>
+      <p:grpSpPr>
+        <a:xfrm>
+          <a:off x="0" y="0"/>
+          <a:ext cx="0" cy="0"/>
+          <a:chOff x="0" y="0"/>
+          <a:chExt cx="0" cy="0"/>
+        </a:xfrm>
+      </p:grpSpPr>
+      <p:sp>
+        <p:nvSpPr>
+          <p:cNvPr id="2" name="Title 1">
+            <a:extLst>
+              <a:ext uri="{FF2B5EF4-FFF2-40B4-BE49-F238E27FC236}">
                 <a16:creationId xmlns:a16="http://schemas.microsoft.com/office/drawing/2014/main" id="{60516B1A-AE94-4326-BC22-A7065C8E6A44}"/>
               </a:ext>
             </a:extLst>
@@ -3576,7 +3675,7 @@
 </p:sld>
 </file>
 
-<file path=ppt/slides/slide11.xml><?xml version="1.0" encoding="utf-8"?>
+<file path=ppt/slides/slide12.xml><?xml version="1.0" encoding="utf-8"?>
 <p:sld xmlns:a="http://schemas.openxmlformats.org/drawingml/2006/main" xmlns:r="http://schemas.openxmlformats.org/officeDocument/2006/relationships" xmlns:p="http://schemas.openxmlformats.org/presentationml/2006/main">
   <p:cSld>
     <p:spTree>
@@ -3714,7 +3813,7 @@
 </p:sld>
 </file>
 
-<file path=ppt/slides/slide12.xml><?xml version="1.0" encoding="utf-8"?>
+<file path=ppt/slides/slide13.xml><?xml version="1.0" encoding="utf-8"?>
 <p:sld xmlns:a="http://schemas.openxmlformats.org/drawingml/2006/main" xmlns:r="http://schemas.openxmlformats.org/officeDocument/2006/relationships" xmlns:p="http://schemas.openxmlformats.org/presentationml/2006/main">
   <p:cSld>
     <p:spTree>
@@ -3846,7 +3945,7 @@
 </p:sld>
 </file>
 
-<file path=ppt/slides/slide13.xml><?xml version="1.0" encoding="utf-8"?>
+<file path=ppt/slides/slide14.xml><?xml version="1.0" encoding="utf-8"?>
 <p:sld xmlns:a="http://schemas.openxmlformats.org/drawingml/2006/main" xmlns:r="http://schemas.openxmlformats.org/officeDocument/2006/relationships" xmlns:p="http://schemas.openxmlformats.org/presentationml/2006/main">
   <p:cSld>
     <p:spTree>
@@ -4925,7 +5024,7 @@
           <p:cNvPr id="2" name="Title 1">
             <a:extLst>
               <a:ext uri="{FF2B5EF4-FFF2-40B4-BE49-F238E27FC236}">
-                <a16:creationId xmlns:a16="http://schemas.microsoft.com/office/drawing/2014/main" id="{5441DEEC-8A79-463A-B489-B422078FD18C}"/>
+                <a16:creationId xmlns:a16="http://schemas.microsoft.com/office/drawing/2014/main" id="{22220622-A91D-45B6-999D-4B58D74FD383}"/>
               </a:ext>
             </a:extLst>
           </p:cNvPr>
@@ -4936,102 +5035,24 @@
             <p:ph type="title"/>
           </p:nvPr>
         </p:nvSpPr>
-        <p:spPr>
-          <a:xfrm>
-            <a:off x="0" y="18255"/>
-            <a:ext cx="10515600" cy="1325563"/>
-          </a:xfrm>
-        </p:spPr>
+        <p:spPr/>
         <p:txBody>
           <a:bodyPr/>
           <a:lstStyle/>
           <a:p>
             <a:r>
               <a:rPr lang="is-IS" dirty="0"/>
-              <a:t> C4.5 tree generated with 7 attributes</a:t>
-            </a:r>
-          </a:p>
-        </p:txBody>
-      </p:sp>
-      <p:sp>
-        <p:nvSpPr>
-          <p:cNvPr id="15" name="TextBox 14">
-            <a:extLst>
-              <a:ext uri="{FF2B5EF4-FFF2-40B4-BE49-F238E27FC236}">
-                <a16:creationId xmlns:a16="http://schemas.microsoft.com/office/drawing/2014/main" id="{9461D3D1-998A-496F-A08F-21F68C5C71F3}"/>
-              </a:ext>
-            </a:extLst>
-          </p:cNvPr>
-          <p:cNvSpPr txBox="1"/>
-          <p:nvPr/>
-        </p:nvSpPr>
-        <p:spPr>
-          <a:xfrm>
-            <a:off x="368968" y="1112575"/>
-            <a:ext cx="10146632" cy="2862322"/>
-          </a:xfrm>
-          <a:prstGeom prst="rect">
-            <a:avLst/>
-          </a:prstGeom>
-          <a:noFill/>
-        </p:spPr>
-        <p:txBody>
-          <a:bodyPr wrap="square">
-            <a:spAutoFit/>
-          </a:bodyPr>
-          <a:lstStyle/>
-          <a:p>
-            <a:r>
-              <a:rPr lang="is-IS" sz="1800" dirty="0"/>
-              <a:t>The algorithm ignored quite a few of the attributes but still gets a good classification. It only uses two of the 7 total attributes.</a:t>
-            </a:r>
-          </a:p>
-          <a:p>
-            <a:r>
-              <a:rPr lang="is-IS" sz="1800" dirty="0"/>
-              <a:t>Few nodes with many cases, </a:t>
-            </a:r>
-            <a:r>
-              <a:rPr lang="is-IS" dirty="0"/>
-              <a:t>somewhat accurate clasifications but many misclassifications.</a:t>
-            </a:r>
-            <a:endParaRPr lang="is-IS" sz="1800" dirty="0"/>
-          </a:p>
-          <a:p>
-            <a:r>
-              <a:rPr lang="is-IS" dirty="0"/>
-              <a:t>By using this tree I got 67% correct classification. </a:t>
-            </a:r>
-          </a:p>
-          <a:p>
-            <a:r>
-              <a:rPr lang="is-IS" sz="1800" dirty="0"/>
-              <a:t>However I feel that using only two attributes is way to little data to rely on.</a:t>
-            </a:r>
-          </a:p>
-          <a:p>
-            <a:r>
-              <a:rPr lang="is-IS" dirty="0"/>
-              <a:t>I tried playing with the variables, removing one or two from 13. But that always seemed to lead to overpruning</a:t>
-            </a:r>
-          </a:p>
-          <a:p>
-            <a:r>
-              <a:rPr lang="is-IS" sz="1800" dirty="0"/>
-              <a:t>I would chose the first model because of the accuracy. Fewer attributes are omitted, but I would like to have time to play a little bit more with the pruning.</a:t>
-            </a:r>
-          </a:p>
-          <a:p>
-            <a:endParaRPr lang="is-IS" sz="1800" dirty="0"/>
+              <a:t>Summary</a:t>
+            </a:r>
           </a:p>
         </p:txBody>
       </p:sp>
       <p:pic>
         <p:nvPicPr>
-          <p:cNvPr id="3" name="Picture 2">
-            <a:extLst>
-              <a:ext uri="{FF2B5EF4-FFF2-40B4-BE49-F238E27FC236}">
-                <a16:creationId xmlns:a16="http://schemas.microsoft.com/office/drawing/2014/main" id="{9D96D23F-133B-4C87-8D67-FE989E9E9A83}"/>
+          <p:cNvPr id="4" name="Picture 3">
+            <a:extLst>
+              <a:ext uri="{FF2B5EF4-FFF2-40B4-BE49-F238E27FC236}">
+                <a16:creationId xmlns:a16="http://schemas.microsoft.com/office/drawing/2014/main" id="{3D369663-7685-4F6E-88F9-857CB5F3399C}"/>
               </a:ext>
             </a:extLst>
           </p:cNvPr>
@@ -5048,8 +5069,8 @@
         </p:blipFill>
         <p:spPr>
           <a:xfrm>
-            <a:off x="5082694" y="3545305"/>
-            <a:ext cx="6855139" cy="3262224"/>
+            <a:off x="908160" y="1514208"/>
+            <a:ext cx="7011378" cy="3829584"/>
           </a:xfrm>
           <a:prstGeom prst="rect">
             <a:avLst/>
@@ -5059,7 +5080,7 @@
     </p:spTree>
     <p:extLst>
       <p:ext uri="{BB962C8B-B14F-4D97-AF65-F5344CB8AC3E}">
-        <p14:creationId xmlns:p14="http://schemas.microsoft.com/office/powerpoint/2010/main" val="1957177974"/>
+        <p14:creationId xmlns:p14="http://schemas.microsoft.com/office/powerpoint/2010/main" val="2627919197"/>
       </p:ext>
     </p:extLst>
   </p:cSld>
@@ -5091,7 +5112,7 @@
           <p:cNvPr id="2" name="Title 1">
             <a:extLst>
               <a:ext uri="{FF2B5EF4-FFF2-40B4-BE49-F238E27FC236}">
-                <a16:creationId xmlns:a16="http://schemas.microsoft.com/office/drawing/2014/main" id="{8C4B779B-7B62-48B1-91AE-CDF4FD269D4B}"/>
+                <a16:creationId xmlns:a16="http://schemas.microsoft.com/office/drawing/2014/main" id="{5441DEEC-8A79-463A-B489-B422078FD18C}"/>
               </a:ext>
             </a:extLst>
           </p:cNvPr>
@@ -5104,7 +5125,7 @@
         </p:nvSpPr>
         <p:spPr>
           <a:xfrm>
-            <a:off x="132849" y="0"/>
+            <a:off x="0" y="18255"/>
             <a:ext cx="10515600" cy="1325563"/>
           </a:xfrm>
         </p:spPr>
@@ -5114,17 +5135,90 @@
           <a:p>
             <a:r>
               <a:rPr lang="is-IS" dirty="0"/>
-              <a:t>Attributes – blue = dead horse</a:t>
-            </a:r>
+              <a:t> C4.5 tree generated with 7 attributes</a:t>
+            </a:r>
+          </a:p>
+        </p:txBody>
+      </p:sp>
+      <p:sp>
+        <p:nvSpPr>
+          <p:cNvPr id="15" name="TextBox 14">
+            <a:extLst>
+              <a:ext uri="{FF2B5EF4-FFF2-40B4-BE49-F238E27FC236}">
+                <a16:creationId xmlns:a16="http://schemas.microsoft.com/office/drawing/2014/main" id="{9461D3D1-998A-496F-A08F-21F68C5C71F3}"/>
+              </a:ext>
+            </a:extLst>
+          </p:cNvPr>
+          <p:cNvSpPr txBox="1"/>
+          <p:nvPr/>
+        </p:nvSpPr>
+        <p:spPr>
+          <a:xfrm>
+            <a:off x="368968" y="1112575"/>
+            <a:ext cx="10146632" cy="2862322"/>
+          </a:xfrm>
+          <a:prstGeom prst="rect">
+            <a:avLst/>
+          </a:prstGeom>
+          <a:noFill/>
+        </p:spPr>
+        <p:txBody>
+          <a:bodyPr wrap="square">
+            <a:spAutoFit/>
+          </a:bodyPr>
+          <a:lstStyle/>
+          <a:p>
+            <a:r>
+              <a:rPr lang="is-IS" sz="1800" dirty="0"/>
+              <a:t>The algorithm ignored quite a few of the attributes but still gets a good classification. It only uses two of the 7 total attributes.</a:t>
+            </a:r>
+          </a:p>
+          <a:p>
+            <a:r>
+              <a:rPr lang="is-IS" sz="1800" dirty="0"/>
+              <a:t>Few nodes with many cases, </a:t>
+            </a:r>
+            <a:r>
+              <a:rPr lang="is-IS" dirty="0"/>
+              <a:t>somewhat accurate clasifications but many misclassifications.</a:t>
+            </a:r>
+            <a:endParaRPr lang="is-IS" sz="1800" dirty="0"/>
+          </a:p>
+          <a:p>
+            <a:r>
+              <a:rPr lang="is-IS" dirty="0"/>
+              <a:t>By using this tree I got 67% correct classification. </a:t>
+            </a:r>
+          </a:p>
+          <a:p>
+            <a:r>
+              <a:rPr lang="is-IS" sz="1800" dirty="0"/>
+              <a:t>However I feel that using only two attributes is way to little data to rely on.</a:t>
+            </a:r>
+          </a:p>
+          <a:p>
+            <a:r>
+              <a:rPr lang="is-IS" dirty="0"/>
+              <a:t>I tried playing with the variables, removing one or two from 13. But that always seemed to lead to overpruning</a:t>
+            </a:r>
+          </a:p>
+          <a:p>
+            <a:r>
+              <a:rPr lang="is-IS" sz="1800" dirty="0"/>
+              <a:t>I would chose the first model because of the accuracy. Fewer attributes are omitted, but I would like to have time to play a little bit more with the pruning.</a:t>
+            </a:r>
+          </a:p>
+          <a:p>
+            <a:endParaRPr lang="is-IS" sz="1800" dirty="0"/>
           </a:p>
         </p:txBody>
       </p:sp>
       <p:pic>
         <p:nvPicPr>
-          <p:cNvPr id="4" name="Picture 3">
-            <a:extLst>
-              <a:ext uri="{FF2B5EF4-FFF2-40B4-BE49-F238E27FC236}">
-                <a16:creationId xmlns:a16="http://schemas.microsoft.com/office/drawing/2014/main" id="{86D9548C-9C92-4C5E-9F70-FCAEFBC2A427}"/>
+          <p:cNvPr id="3" name="Picture 2">
+            <a:extLst>
+              <a:ext uri="{FF2B5EF4-FFF2-40B4-BE49-F238E27FC236}">
+                <a16:creationId xmlns:a16="http://schemas.microsoft.com/office/drawing/2014/main" id="{9D96D23F-133B-4C87-8D67-FE989E9E9A83}"/>
               </a:ext>
             </a:extLst>
           </p:cNvPr>
@@ -5141,8 +5235,8 @@
         </p:blipFill>
         <p:spPr>
           <a:xfrm>
-            <a:off x="2667501" y="1238250"/>
-            <a:ext cx="9391650" cy="5619750"/>
+            <a:off x="5082694" y="3545305"/>
+            <a:ext cx="6855139" cy="3262224"/>
           </a:xfrm>
           <a:prstGeom prst="rect">
             <a:avLst/>
@@ -5152,7 +5246,7 @@
     </p:spTree>
     <p:extLst>
       <p:ext uri="{BB962C8B-B14F-4D97-AF65-F5344CB8AC3E}">
-        <p14:creationId xmlns:p14="http://schemas.microsoft.com/office/powerpoint/2010/main" val="905302261"/>
+        <p14:creationId xmlns:p14="http://schemas.microsoft.com/office/powerpoint/2010/main" val="1957177974"/>
       </p:ext>
     </p:extLst>
   </p:cSld>
